--- a/Group 3.pptx
+++ b/Group 3.pptx
@@ -8,6 +8,8 @@
     <p:sldId id="256" r:id="rId2"/>
     <p:sldId id="257" r:id="rId3"/>
     <p:sldId id="258" r:id="rId4"/>
+    <p:sldId id="260" r:id="rId5"/>
+    <p:sldId id="259" r:id="rId6"/>
   </p:sldIdLst>
   <p:sldSz cx="12192000" cy="6858000"/>
   <p:notesSz cx="6858000" cy="9144000"/>
@@ -106,6 +108,11 @@
       </a:defRPr>
     </a:lvl9pPr>
   </p:defaultTextStyle>
+  <p:extLst>
+    <p:ext uri="{EFAFB233-063F-42B5-8137-9DF3F51BA10A}">
+      <p15:sldGuideLst xmlns:p15="http://schemas.microsoft.com/office/powerpoint/2012/main"/>
+    </p:ext>
+  </p:extLst>
 </p:presentation>
 </file>
 
@@ -292,7 +299,7 @@
           <a:p>
             <a:fld id="{4AAD347D-5ACD-4C99-B74B-A9C85AD731AF}" type="datetimeFigureOut">
               <a:rPr lang="en-US" dirty="0"/>
-              <a:t>4/30/2019</a:t>
+              <a:t>5/1/19</a:t>
             </a:fld>
             <a:endParaRPr lang="en-US" dirty="0"/>
           </a:p>
@@ -562,7 +569,7 @@
           <a:p>
             <a:fld id="{4509A250-FF31-4206-8172-F9D3106AACB1}" type="datetimeFigureOut">
               <a:rPr lang="en-US" dirty="0"/>
-              <a:t>4/30/2019</a:t>
+              <a:t>5/1/19</a:t>
             </a:fld>
             <a:endParaRPr lang="en-US" dirty="0"/>
           </a:p>
@@ -751,7 +758,7 @@
           <a:p>
             <a:fld id="{4509A250-FF31-4206-8172-F9D3106AACB1}" type="datetimeFigureOut">
               <a:rPr lang="en-US" dirty="0"/>
-              <a:t>4/30/2019</a:t>
+              <a:t>5/1/19</a:t>
             </a:fld>
             <a:endParaRPr lang="en-US" dirty="0"/>
           </a:p>
@@ -1014,7 +1021,7 @@
           <a:p>
             <a:fld id="{4509A250-FF31-4206-8172-F9D3106AACB1}" type="datetimeFigureOut">
               <a:rPr lang="en-US" dirty="0"/>
-              <a:t>4/30/2019</a:t>
+              <a:t>5/1/19</a:t>
             </a:fld>
             <a:endParaRPr lang="en-US" dirty="0"/>
           </a:p>
@@ -1341,7 +1348,7 @@
           <a:p>
             <a:fld id="{4509A250-FF31-4206-8172-F9D3106AACB1}" type="datetimeFigureOut">
               <a:rPr lang="en-US" dirty="0"/>
-              <a:t>4/30/2019</a:t>
+              <a:t>5/1/19</a:t>
             </a:fld>
             <a:endParaRPr lang="en-US" dirty="0"/>
           </a:p>
@@ -1946,7 +1953,7 @@
           <a:p>
             <a:fld id="{4509A250-FF31-4206-8172-F9D3106AACB1}" type="datetimeFigureOut">
               <a:rPr lang="en-US" dirty="0"/>
-              <a:t>4/30/2019</a:t>
+              <a:t>5/1/19</a:t>
             </a:fld>
             <a:endParaRPr lang="en-US" dirty="0"/>
           </a:p>
@@ -2788,7 +2795,7 @@
           <a:p>
             <a:fld id="{4509A250-FF31-4206-8172-F9D3106AACB1}" type="datetimeFigureOut">
               <a:rPr lang="en-US" dirty="0"/>
-              <a:t>4/30/2019</a:t>
+              <a:t>5/1/19</a:t>
             </a:fld>
             <a:endParaRPr lang="en-US" dirty="0"/>
           </a:p>
@@ -2953,7 +2960,7 @@
           <a:p>
             <a:fld id="{4509A250-FF31-4206-8172-F9D3106AACB1}" type="datetimeFigureOut">
               <a:rPr lang="en-US" dirty="0"/>
-              <a:t>4/30/2019</a:t>
+              <a:t>5/1/19</a:t>
             </a:fld>
             <a:endParaRPr lang="en-US" dirty="0"/>
           </a:p>
@@ -3128,7 +3135,7 @@
           <a:p>
             <a:fld id="{4509A250-FF31-4206-8172-F9D3106AACB1}" type="datetimeFigureOut">
               <a:rPr lang="en-US" dirty="0"/>
-              <a:t>4/30/2019</a:t>
+              <a:t>5/1/19</a:t>
             </a:fld>
             <a:endParaRPr lang="en-US" dirty="0"/>
           </a:p>
@@ -3293,7 +3300,7 @@
           <a:p>
             <a:fld id="{4509A250-FF31-4206-8172-F9D3106AACB1}" type="datetimeFigureOut">
               <a:rPr lang="en-US" dirty="0"/>
-              <a:t>4/30/2019</a:t>
+              <a:t>5/1/19</a:t>
             </a:fld>
             <a:endParaRPr lang="en-US" dirty="0"/>
           </a:p>
@@ -3532,7 +3539,7 @@
           <a:p>
             <a:fld id="{4509A250-FF31-4206-8172-F9D3106AACB1}" type="datetimeFigureOut">
               <a:rPr lang="en-US" dirty="0"/>
-              <a:t>4/30/2019</a:t>
+              <a:t>5/1/19</a:t>
             </a:fld>
             <a:endParaRPr lang="en-US" dirty="0"/>
           </a:p>
@@ -3819,7 +3826,7 @@
           <a:p>
             <a:fld id="{4509A250-FF31-4206-8172-F9D3106AACB1}" type="datetimeFigureOut">
               <a:rPr lang="en-US" dirty="0"/>
-              <a:t>4/30/2019</a:t>
+              <a:t>5/1/19</a:t>
             </a:fld>
             <a:endParaRPr lang="en-US" dirty="0"/>
           </a:p>
@@ -4252,7 +4259,7 @@
           <a:p>
             <a:fld id="{4509A250-FF31-4206-8172-F9D3106AACB1}" type="datetimeFigureOut">
               <a:rPr lang="en-US" dirty="0"/>
-              <a:t>4/30/2019</a:t>
+              <a:t>5/1/19</a:t>
             </a:fld>
             <a:endParaRPr lang="en-US" dirty="0"/>
           </a:p>
@@ -4365,7 +4372,7 @@
           <a:p>
             <a:fld id="{4509A250-FF31-4206-8172-F9D3106AACB1}" type="datetimeFigureOut">
               <a:rPr lang="en-US" dirty="0"/>
-              <a:t>4/30/2019</a:t>
+              <a:t>5/1/19</a:t>
             </a:fld>
             <a:endParaRPr lang="en-US" dirty="0"/>
           </a:p>
@@ -4455,7 +4462,7 @@
           <a:p>
             <a:fld id="{4509A250-FF31-4206-8172-F9D3106AACB1}" type="datetimeFigureOut">
               <a:rPr lang="en-US" dirty="0"/>
-              <a:t>4/30/2019</a:t>
+              <a:t>5/1/19</a:t>
             </a:fld>
             <a:endParaRPr lang="en-US" dirty="0"/>
           </a:p>
@@ -4729,7 +4736,7 @@
           <a:p>
             <a:fld id="{4509A250-FF31-4206-8172-F9D3106AACB1}" type="datetimeFigureOut">
               <a:rPr lang="en-US" dirty="0"/>
-              <a:t>4/30/2019</a:t>
+              <a:t>5/1/19</a:t>
             </a:fld>
             <a:endParaRPr lang="en-US" dirty="0"/>
           </a:p>
@@ -4999,7 +5006,7 @@
           <a:p>
             <a:fld id="{4509A250-FF31-4206-8172-F9D3106AACB1}" type="datetimeFigureOut">
               <a:rPr lang="en-US" dirty="0"/>
-              <a:t>4/30/2019</a:t>
+              <a:t>5/1/19</a:t>
             </a:fld>
             <a:endParaRPr lang="en-US" dirty="0"/>
           </a:p>
@@ -5423,7 +5430,7 @@
           <a:p>
             <a:fld id="{4509A250-FF31-4206-8172-F9D3106AACB1}" type="datetimeFigureOut">
               <a:rPr lang="en-US" dirty="0"/>
-              <a:t>4/30/2019</a:t>
+              <a:t>5/1/19</a:t>
             </a:fld>
             <a:endParaRPr lang="en-US" dirty="0"/>
           </a:p>
@@ -7242,6 +7249,126 @@
 </p:sld>
 </file>
 
+<file path=ppt/slides/slide4.xml><?xml version="1.0" encoding="utf-8"?>
+<p:sld xmlns:a="http://schemas.openxmlformats.org/drawingml/2006/main" xmlns:r="http://schemas.openxmlformats.org/officeDocument/2006/relationships" xmlns:p="http://schemas.openxmlformats.org/presentationml/2006/main">
+  <p:cSld>
+    <p:spTree>
+      <p:nvGrpSpPr>
+        <p:cNvPr id="1" name=""/>
+        <p:cNvGrpSpPr/>
+        <p:nvPr/>
+      </p:nvGrpSpPr>
+      <p:grpSpPr>
+        <a:xfrm>
+          <a:off x="0" y="0"/>
+          <a:ext cx="0" cy="0"/>
+          <a:chOff x="0" y="0"/>
+          <a:chExt cx="0" cy="0"/>
+        </a:xfrm>
+      </p:grpSpPr>
+      <p:pic>
+        <p:nvPicPr>
+          <p:cNvPr id="3" name="Picture 2">
+            <a:extLst>
+              <a:ext uri="{FF2B5EF4-FFF2-40B4-BE49-F238E27FC236}">
+                <a16:creationId xmlns:a16="http://schemas.microsoft.com/office/drawing/2014/main" id="{DFAC7E4F-A75D-CF4C-9E60-952F228976D6}"/>
+              </a:ext>
+            </a:extLst>
+          </p:cNvPr>
+          <p:cNvPicPr>
+            <a:picLocks noChangeAspect="1"/>
+          </p:cNvPicPr>
+          <p:nvPr/>
+        </p:nvPicPr>
+        <p:blipFill>
+          <a:blip r:embed="rId2"/>
+          <a:stretch>
+            <a:fillRect/>
+          </a:stretch>
+        </p:blipFill>
+        <p:spPr>
+          <a:xfrm>
+            <a:off x="608319" y="649706"/>
+            <a:ext cx="9686699" cy="5690936"/>
+          </a:xfrm>
+          <a:prstGeom prst="rect">
+            <a:avLst/>
+          </a:prstGeom>
+        </p:spPr>
+      </p:pic>
+    </p:spTree>
+    <p:extLst>
+      <p:ext uri="{BB962C8B-B14F-4D97-AF65-F5344CB8AC3E}">
+        <p14:creationId xmlns:p14="http://schemas.microsoft.com/office/powerpoint/2010/main" val="3336834428"/>
+      </p:ext>
+    </p:extLst>
+  </p:cSld>
+  <p:clrMapOvr>
+    <a:masterClrMapping/>
+  </p:clrMapOvr>
+</p:sld>
+</file>
+
+<file path=ppt/slides/slide5.xml><?xml version="1.0" encoding="utf-8"?>
+<p:sld xmlns:a="http://schemas.openxmlformats.org/drawingml/2006/main" xmlns:r="http://schemas.openxmlformats.org/officeDocument/2006/relationships" xmlns:p="http://schemas.openxmlformats.org/presentationml/2006/main">
+  <p:cSld>
+    <p:spTree>
+      <p:nvGrpSpPr>
+        <p:cNvPr id="1" name=""/>
+        <p:cNvGrpSpPr/>
+        <p:nvPr/>
+      </p:nvGrpSpPr>
+      <p:grpSpPr>
+        <a:xfrm>
+          <a:off x="0" y="0"/>
+          <a:ext cx="0" cy="0"/>
+          <a:chOff x="0" y="0"/>
+          <a:chExt cx="0" cy="0"/>
+        </a:xfrm>
+      </p:grpSpPr>
+      <p:pic>
+        <p:nvPicPr>
+          <p:cNvPr id="3" name="Picture 2">
+            <a:extLst>
+              <a:ext uri="{FF2B5EF4-FFF2-40B4-BE49-F238E27FC236}">
+                <a16:creationId xmlns:a16="http://schemas.microsoft.com/office/drawing/2014/main" id="{E87F4BBD-42DB-F54D-9E2A-5B3D892D0EB1}"/>
+              </a:ext>
+            </a:extLst>
+          </p:cNvPr>
+          <p:cNvPicPr>
+            <a:picLocks noChangeAspect="1"/>
+          </p:cNvPicPr>
+          <p:nvPr/>
+        </p:nvPicPr>
+        <p:blipFill>
+          <a:blip r:embed="rId2"/>
+          <a:stretch>
+            <a:fillRect/>
+          </a:stretch>
+        </p:blipFill>
+        <p:spPr>
+          <a:xfrm>
+            <a:off x="541422" y="533085"/>
+            <a:ext cx="9710616" cy="5711730"/>
+          </a:xfrm>
+          <a:prstGeom prst="rect">
+            <a:avLst/>
+          </a:prstGeom>
+        </p:spPr>
+      </p:pic>
+    </p:spTree>
+    <p:extLst>
+      <p:ext uri="{BB962C8B-B14F-4D97-AF65-F5344CB8AC3E}">
+        <p14:creationId xmlns:p14="http://schemas.microsoft.com/office/powerpoint/2010/main" val="1349847409"/>
+      </p:ext>
+    </p:extLst>
+  </p:cSld>
+  <p:clrMapOvr>
+    <a:masterClrMapping/>
+  </p:clrMapOvr>
+</p:sld>
+</file>
+
 <file path=ppt/theme/theme1.xml><?xml version="1.0" encoding="utf-8"?>
 <a:theme xmlns:a="http://schemas.openxmlformats.org/drawingml/2006/main" name="Ion">
   <a:themeElements>
